--- a/docs/figures.pptx
+++ b/docs/figures.pptx
@@ -7,6 +7,7 @@
   <p:sldIdLst>
     <p:sldId id="256" r:id="rId2"/>
     <p:sldId id="257" r:id="rId3"/>
+    <p:sldId id="258" r:id="rId4"/>
   </p:sldIdLst>
   <p:sldSz cx="9144000" cy="6858000" type="screen4x3"/>
   <p:notesSz cx="6858000" cy="9144000"/>
@@ -213,7 +214,6 @@
             <c:showLeaderLines val="0"/>
             <c:extLst>
               <c:ext xmlns:c15="http://schemas.microsoft.com/office/drawing/2012/chart" uri="{CE6537A1-D6FC-4f65-9D91-7224C49458BB}">
-                <c15:layout/>
                 <c15:showLeaderLines val="1"/>
                 <c15:leaderLines>
                   <c:spPr>
@@ -348,7 +348,6 @@
             <c:showLeaderLines val="0"/>
             <c:extLst>
               <c:ext xmlns:c15="http://schemas.microsoft.com/office/drawing/2012/chart" uri="{CE6537A1-D6FC-4f65-9D91-7224C49458BB}">
-                <c15:layout/>
                 <c15:showLeaderLines val="1"/>
                 <c15:leaderLines>
                   <c:spPr>
@@ -483,7 +482,6 @@
             <c:showLeaderLines val="0"/>
             <c:extLst>
               <c:ext xmlns:c15="http://schemas.microsoft.com/office/drawing/2012/chart" uri="{CE6537A1-D6FC-4f65-9D91-7224C49458BB}">
-                <c15:layout/>
                 <c15:showLeaderLines val="1"/>
                 <c15:leaderLines>
                   <c:spPr>
@@ -2442,12 +2440,12 @@
         </a:fontRef>
       </dsp:style>
       <dsp:txBody>
-        <a:bodyPr spcFirstLastPara="0" vert="horz" wrap="square" lIns="25400" tIns="25400" rIns="25400" bIns="25400" numCol="1" spcCol="1270" anchor="ctr" anchorCtr="0">
+        <a:bodyPr spcFirstLastPara="0" vert="horz" wrap="square" lIns="26670" tIns="26670" rIns="26670" bIns="26670" numCol="1" spcCol="1270" anchor="ctr" anchorCtr="0">
           <a:noAutofit/>
         </a:bodyPr>
         <a:lstStyle/>
         <a:p>
-          <a:pPr lvl="0" algn="ctr" defTabSz="889000">
+          <a:pPr lvl="0" algn="ctr" defTabSz="933450">
             <a:lnSpc>
               <a:spcPct val="90000"/>
             </a:lnSpc>
@@ -2458,7 +2456,7 @@
               <a:spcPct val="35000"/>
             </a:spcAft>
           </a:pPr>
-          <a:endParaRPr lang="zh-CN" altLang="en-US" sz="2000" kern="1200" dirty="0"/>
+          <a:endParaRPr lang="zh-CN" altLang="en-US" sz="2100" kern="1200" dirty="0"/>
         </a:p>
       </dsp:txBody>
       <dsp:txXfrm>
@@ -4538,7 +4536,7 @@
           <a:p>
             <a:fld id="{530820CF-B880-4189-942D-D702A7CBA730}" type="datetimeFigureOut">
               <a:rPr lang="zh-CN" altLang="en-US" smtClean="0"/>
-              <a:t>2018/10/7</a:t>
+              <a:t>2020/5/24</a:t>
             </a:fld>
             <a:endParaRPr lang="zh-CN" altLang="en-US"/>
           </a:p>
@@ -4703,7 +4701,7 @@
           <a:p>
             <a:fld id="{530820CF-B880-4189-942D-D702A7CBA730}" type="datetimeFigureOut">
               <a:rPr lang="zh-CN" altLang="en-US" smtClean="0"/>
-              <a:t>2018/10/7</a:t>
+              <a:t>2020/5/24</a:t>
             </a:fld>
             <a:endParaRPr lang="zh-CN" altLang="en-US"/>
           </a:p>
@@ -4878,7 +4876,7 @@
           <a:p>
             <a:fld id="{530820CF-B880-4189-942D-D702A7CBA730}" type="datetimeFigureOut">
               <a:rPr lang="zh-CN" altLang="en-US" smtClean="0"/>
-              <a:t>2018/10/7</a:t>
+              <a:t>2020/5/24</a:t>
             </a:fld>
             <a:endParaRPr lang="zh-CN" altLang="en-US"/>
           </a:p>
@@ -5043,7 +5041,7 @@
           <a:p>
             <a:fld id="{530820CF-B880-4189-942D-D702A7CBA730}" type="datetimeFigureOut">
               <a:rPr lang="zh-CN" altLang="en-US" smtClean="0"/>
-              <a:t>2018/10/7</a:t>
+              <a:t>2020/5/24</a:t>
             </a:fld>
             <a:endParaRPr lang="zh-CN" altLang="en-US"/>
           </a:p>
@@ -5284,7 +5282,7 @@
           <a:p>
             <a:fld id="{530820CF-B880-4189-942D-D702A7CBA730}" type="datetimeFigureOut">
               <a:rPr lang="zh-CN" altLang="en-US" smtClean="0"/>
-              <a:t>2018/10/7</a:t>
+              <a:t>2020/5/24</a:t>
             </a:fld>
             <a:endParaRPr lang="zh-CN" altLang="en-US"/>
           </a:p>
@@ -5567,7 +5565,7 @@
           <a:p>
             <a:fld id="{530820CF-B880-4189-942D-D702A7CBA730}" type="datetimeFigureOut">
               <a:rPr lang="zh-CN" altLang="en-US" smtClean="0"/>
-              <a:t>2018/10/7</a:t>
+              <a:t>2020/5/24</a:t>
             </a:fld>
             <a:endParaRPr lang="zh-CN" altLang="en-US"/>
           </a:p>
@@ -5984,7 +5982,7 @@
           <a:p>
             <a:fld id="{530820CF-B880-4189-942D-D702A7CBA730}" type="datetimeFigureOut">
               <a:rPr lang="zh-CN" altLang="en-US" smtClean="0"/>
-              <a:t>2018/10/7</a:t>
+              <a:t>2020/5/24</a:t>
             </a:fld>
             <a:endParaRPr lang="zh-CN" altLang="en-US"/>
           </a:p>
@@ -6097,7 +6095,7 @@
           <a:p>
             <a:fld id="{530820CF-B880-4189-942D-D702A7CBA730}" type="datetimeFigureOut">
               <a:rPr lang="zh-CN" altLang="en-US" smtClean="0"/>
-              <a:t>2018/10/7</a:t>
+              <a:t>2020/5/24</a:t>
             </a:fld>
             <a:endParaRPr lang="zh-CN" altLang="en-US"/>
           </a:p>
@@ -6187,7 +6185,7 @@
           <a:p>
             <a:fld id="{530820CF-B880-4189-942D-D702A7CBA730}" type="datetimeFigureOut">
               <a:rPr lang="zh-CN" altLang="en-US" smtClean="0"/>
-              <a:t>2018/10/7</a:t>
+              <a:t>2020/5/24</a:t>
             </a:fld>
             <a:endParaRPr lang="zh-CN" altLang="en-US"/>
           </a:p>
@@ -6459,7 +6457,7 @@
           <a:p>
             <a:fld id="{530820CF-B880-4189-942D-D702A7CBA730}" type="datetimeFigureOut">
               <a:rPr lang="zh-CN" altLang="en-US" smtClean="0"/>
-              <a:t>2018/10/7</a:t>
+              <a:t>2020/5/24</a:t>
             </a:fld>
             <a:endParaRPr lang="zh-CN" altLang="en-US"/>
           </a:p>
@@ -6707,7 +6705,7 @@
           <a:p>
             <a:fld id="{530820CF-B880-4189-942D-D702A7CBA730}" type="datetimeFigureOut">
               <a:rPr lang="zh-CN" altLang="en-US" smtClean="0"/>
-              <a:t>2018/10/7</a:t>
+              <a:t>2020/5/24</a:t>
             </a:fld>
             <a:endParaRPr lang="zh-CN" altLang="en-US"/>
           </a:p>
@@ -6915,7 +6913,7 @@
           <a:p>
             <a:fld id="{530820CF-B880-4189-942D-D702A7CBA730}" type="datetimeFigureOut">
               <a:rPr lang="zh-CN" altLang="en-US" smtClean="0"/>
-              <a:t>2018/10/7</a:t>
+              <a:t>2020/5/24</a:t>
             </a:fld>
             <a:endParaRPr lang="zh-CN" altLang="en-US"/>
           </a:p>
@@ -8236,6 +8234,36 @@
 </p:sld>
 </file>
 
+<file path=ppt/slides/slide3.xml><?xml version="1.0" encoding="utf-8"?>
+<p:sld xmlns:a="http://schemas.openxmlformats.org/drawingml/2006/main" xmlns:r="http://schemas.openxmlformats.org/officeDocument/2006/relationships" xmlns:p="http://schemas.openxmlformats.org/presentationml/2006/main">
+  <p:cSld>
+    <p:spTree>
+      <p:nvGrpSpPr>
+        <p:cNvPr id="1" name=""/>
+        <p:cNvGrpSpPr/>
+        <p:nvPr/>
+      </p:nvGrpSpPr>
+      <p:grpSpPr>
+        <a:xfrm>
+          <a:off x="0" y="0"/>
+          <a:ext cx="0" cy="0"/>
+          <a:chOff x="0" y="0"/>
+          <a:chExt cx="0" cy="0"/>
+        </a:xfrm>
+      </p:grpSpPr>
+    </p:spTree>
+    <p:extLst>
+      <p:ext uri="{BB962C8B-B14F-4D97-AF65-F5344CB8AC3E}">
+        <p14:creationId xmlns:p14="http://schemas.microsoft.com/office/powerpoint/2010/main" val="4157073160"/>
+      </p:ext>
+    </p:extLst>
+  </p:cSld>
+  <p:clrMapOvr>
+    <a:masterClrMapping/>
+  </p:clrMapOvr>
+</p:sld>
+</file>
+
 <file path=ppt/theme/theme1.xml><?xml version="1.0" encoding="utf-8"?>
 <a:theme xmlns:a="http://schemas.openxmlformats.org/drawingml/2006/main" name="Office 主题">
   <a:themeElements>
